--- a/Ch03_微信小程序接口/微信小程序——数据缓存.pptx
+++ b/Ch03_微信小程序接口/微信小程序——数据缓存.pptx
@@ -7381,7 +7381,27 @@
                 <a:ea typeface="微软雅黑" panose="020B0503020204020204" pitchFamily="34" charset="-122"/>
                 <a:sym typeface="+mn-ea"/>
               </a:rPr>
-              <a:t>同读取数据</a:t>
+              <a:t>同</a:t>
+            </a:r>
+            <a:r>
+              <a:rPr lang="zh-CN" altLang="en-US" sz="2800">
+                <a:solidFill>
+                  <a:schemeClr val="tx1"/>
+                </a:solidFill>
+                <a:ea typeface="微软雅黑" panose="020B0503020204020204" pitchFamily="34" charset="-122"/>
+                <a:sym typeface="+mn-ea"/>
+              </a:rPr>
+              <a:t>步</a:t>
+            </a:r>
+            <a:r>
+              <a:rPr lang="zh-CN" altLang="en-US" sz="2800">
+                <a:solidFill>
+                  <a:schemeClr val="tx1"/>
+                </a:solidFill>
+                <a:ea typeface="微软雅黑" panose="020B0503020204020204" pitchFamily="34" charset="-122"/>
+                <a:sym typeface="+mn-ea"/>
+              </a:rPr>
+              <a:t>读取数据</a:t>
             </a:r>
             <a:r>
               <a:rPr lang="en-US" altLang="zh-CN" sz="2800">
@@ -7453,7 +7473,27 @@
                 <a:ea typeface="微软雅黑" panose="020B0503020204020204" pitchFamily="34" charset="-122"/>
                 <a:sym typeface="+mn-ea"/>
               </a:rPr>
-              <a:t>同移除指定数据</a:t>
+              <a:t>同</a:t>
+            </a:r>
+            <a:r>
+              <a:rPr lang="zh-CN" altLang="en-US" sz="2800">
+                <a:solidFill>
+                  <a:schemeClr val="tx1"/>
+                </a:solidFill>
+                <a:ea typeface="微软雅黑" panose="020B0503020204020204" pitchFamily="34" charset="-122"/>
+                <a:sym typeface="+mn-ea"/>
+              </a:rPr>
+              <a:t>步</a:t>
+            </a:r>
+            <a:r>
+              <a:rPr lang="zh-CN" altLang="en-US" sz="2800">
+                <a:solidFill>
+                  <a:schemeClr val="tx1"/>
+                </a:solidFill>
+                <a:ea typeface="微软雅黑" panose="020B0503020204020204" pitchFamily="34" charset="-122"/>
+                <a:sym typeface="+mn-ea"/>
+              </a:rPr>
+              <a:t>移除指定数据</a:t>
             </a:r>
             <a:endParaRPr lang="zh-CN" altLang="en-US" sz="2800">
               <a:solidFill>
@@ -7505,7 +7545,27 @@
                 <a:ea typeface="微软雅黑" panose="020B0503020204020204" pitchFamily="34" charset="-122"/>
                 <a:sym typeface="+mn-ea"/>
               </a:rPr>
-              <a:t>同获取数据</a:t>
+              <a:t>同</a:t>
+            </a:r>
+            <a:r>
+              <a:rPr lang="zh-CN" altLang="en-US" sz="2800">
+                <a:solidFill>
+                  <a:schemeClr val="tx1"/>
+                </a:solidFill>
+                <a:ea typeface="微软雅黑" panose="020B0503020204020204" pitchFamily="34" charset="-122"/>
+                <a:sym typeface="+mn-ea"/>
+              </a:rPr>
+              <a:t>步</a:t>
+            </a:r>
+            <a:r>
+              <a:rPr lang="zh-CN" altLang="en-US" sz="2800">
+                <a:solidFill>
+                  <a:schemeClr val="tx1"/>
+                </a:solidFill>
+                <a:ea typeface="微软雅黑" panose="020B0503020204020204" pitchFamily="34" charset="-122"/>
+                <a:sym typeface="+mn-ea"/>
+              </a:rPr>
+              <a:t>获取数据</a:t>
             </a:r>
             <a:endParaRPr lang="zh-CN" altLang="en-US" sz="2800">
               <a:solidFill>
@@ -7557,7 +7617,27 @@
                 <a:ea typeface="微软雅黑" panose="020B0503020204020204" pitchFamily="34" charset="-122"/>
                 <a:sym typeface="+mn-ea"/>
               </a:rPr>
-              <a:t>同清理数据</a:t>
+              <a:t>同</a:t>
+            </a:r>
+            <a:r>
+              <a:rPr lang="zh-CN" altLang="en-US" sz="2800">
+                <a:solidFill>
+                  <a:schemeClr val="tx1"/>
+                </a:solidFill>
+                <a:ea typeface="微软雅黑" panose="020B0503020204020204" pitchFamily="34" charset="-122"/>
+                <a:sym typeface="+mn-ea"/>
+              </a:rPr>
+              <a:t>步</a:t>
+            </a:r>
+            <a:r>
+              <a:rPr lang="zh-CN" altLang="en-US" sz="2800">
+                <a:solidFill>
+                  <a:schemeClr val="tx1"/>
+                </a:solidFill>
+                <a:ea typeface="微软雅黑" panose="020B0503020204020204" pitchFamily="34" charset="-122"/>
+                <a:sym typeface="+mn-ea"/>
+              </a:rPr>
+              <a:t>清理数据</a:t>
             </a:r>
             <a:endParaRPr lang="zh-CN" altLang="en-US" sz="2800">
               <a:solidFill>
